--- a/projects/8_Predicting_Rental_Prices_with_Machine_Learning.pptx
+++ b/projects/8_Predicting_Rental_Prices_with_Machine_Learning.pptx
@@ -596,7 +596,7 @@
           </a:ln>
           <a:extLst>
             <a:ext uri="{C572A759-6A51-4108-AA02-DFA0A04FC94B}">
-              <ma14:wrappingTextBoxFlag xmlns="" xmlns:m="http://schemas.openxmlformats.org/officeDocument/2006/math" xmlns:a14="http://schemas.microsoft.com/office/drawing/2010/main" xmlns:ma14="http://schemas.microsoft.com/office/mac/drawingml/2011/main" val="1"/>
+              <ma14:wrappingTextBoxFlag xmlns:ma14="http://schemas.microsoft.com/office/mac/drawingml/2011/main" xmlns:a14="http://schemas.microsoft.com/office/drawing/2010/main" xmlns:m="http://schemas.openxmlformats.org/officeDocument/2006/math" xmlns="" val="1"/>
             </a:ext>
           </a:extLst>
         </p:spPr>
@@ -3463,7 +3463,7 @@
           </a:ln>
           <a:extLst>
             <a:ext uri="{C572A759-6A51-4108-AA02-DFA0A04FC94B}">
-              <ma14:wrappingTextBoxFlag xmlns:ma14="http://schemas.microsoft.com/office/mac/drawingml/2011/main" xmlns:a14="http://schemas.microsoft.com/office/drawing/2010/main" xmlns:m="http://schemas.openxmlformats.org/officeDocument/2006/math" xmlns="" val="1"/>
+              <ma14:wrappingTextBoxFlag xmlns="" xmlns:m="http://schemas.openxmlformats.org/officeDocument/2006/math" xmlns:a14="http://schemas.microsoft.com/office/drawing/2010/main" xmlns:ma14="http://schemas.microsoft.com/office/mac/drawingml/2011/main" val="1"/>
             </a:ext>
           </a:extLst>
         </p:spPr>
@@ -4269,7 +4269,7 @@
           </a:ln>
           <a:extLst>
             <a:ext uri="{C572A759-6A51-4108-AA02-DFA0A04FC94B}">
-              <ma14:wrappingTextBoxFlag xmlns="" xmlns:m="http://schemas.openxmlformats.org/officeDocument/2006/math" xmlns:a14="http://schemas.microsoft.com/office/drawing/2010/main" xmlns:ma14="http://schemas.microsoft.com/office/mac/drawingml/2011/main" val="1"/>
+              <ma14:wrappingTextBoxFlag xmlns:ma14="http://schemas.microsoft.com/office/mac/drawingml/2011/main" xmlns:a14="http://schemas.microsoft.com/office/drawing/2010/main" xmlns:m="http://schemas.openxmlformats.org/officeDocument/2006/math" xmlns="" val="1"/>
             </a:ext>
           </a:extLst>
         </p:spPr>
@@ -4311,7 +4311,7 @@
           </a:ln>
           <a:extLst>
             <a:ext uri="{C572A759-6A51-4108-AA02-DFA0A04FC94B}">
-              <ma14:wrappingTextBoxFlag xmlns="" xmlns:m="http://schemas.openxmlformats.org/officeDocument/2006/math" xmlns:a14="http://schemas.microsoft.com/office/drawing/2010/main" xmlns:ma14="http://schemas.microsoft.com/office/mac/drawingml/2011/main" val="1"/>
+              <ma14:wrappingTextBoxFlag xmlns:ma14="http://schemas.microsoft.com/office/mac/drawingml/2011/main" xmlns:a14="http://schemas.microsoft.com/office/drawing/2010/main" xmlns:m="http://schemas.openxmlformats.org/officeDocument/2006/math" xmlns="" val="1"/>
             </a:ext>
           </a:extLst>
         </p:spPr>
@@ -4368,7 +4368,7 @@
           </a:ln>
           <a:extLst>
             <a:ext uri="{C572A759-6A51-4108-AA02-DFA0A04FC94B}">
-              <ma14:wrappingTextBoxFlag xmlns="" xmlns:m="http://schemas.openxmlformats.org/officeDocument/2006/math" xmlns:a14="http://schemas.microsoft.com/office/drawing/2010/main" xmlns:ma14="http://schemas.microsoft.com/office/mac/drawingml/2011/main" val="1"/>
+              <ma14:wrappingTextBoxFlag xmlns:ma14="http://schemas.microsoft.com/office/mac/drawingml/2011/main" xmlns:a14="http://schemas.microsoft.com/office/drawing/2010/main" xmlns:m="http://schemas.openxmlformats.org/officeDocument/2006/math" xmlns="" val="1"/>
             </a:ext>
           </a:extLst>
         </p:spPr>
@@ -4443,7 +4443,7 @@
           </a:ln>
           <a:extLst>
             <a:ext uri="{C572A759-6A51-4108-AA02-DFA0A04FC94B}">
-              <ma14:wrappingTextBoxFlag xmlns="" xmlns:m="http://schemas.openxmlformats.org/officeDocument/2006/math" xmlns:a14="http://schemas.microsoft.com/office/drawing/2010/main" xmlns:ma14="http://schemas.microsoft.com/office/mac/drawingml/2011/main" val="1"/>
+              <ma14:wrappingTextBoxFlag xmlns:ma14="http://schemas.microsoft.com/office/mac/drawingml/2011/main" xmlns:a14="http://schemas.microsoft.com/office/drawing/2010/main" xmlns:m="http://schemas.openxmlformats.org/officeDocument/2006/math" xmlns="" val="1"/>
             </a:ext>
           </a:extLst>
         </p:spPr>
@@ -4482,7 +4482,7 @@
           </a:ln>
           <a:extLst>
             <a:ext uri="{C572A759-6A51-4108-AA02-DFA0A04FC94B}">
-              <ma14:wrappingTextBoxFlag xmlns="" xmlns:m="http://schemas.openxmlformats.org/officeDocument/2006/math" xmlns:a14="http://schemas.microsoft.com/office/drawing/2010/main" xmlns:ma14="http://schemas.microsoft.com/office/mac/drawingml/2011/main" val="1"/>
+              <ma14:wrappingTextBoxFlag xmlns:ma14="http://schemas.microsoft.com/office/mac/drawingml/2011/main" xmlns:a14="http://schemas.microsoft.com/office/drawing/2010/main" xmlns:m="http://schemas.openxmlformats.org/officeDocument/2006/math" xmlns="" val="1"/>
             </a:ext>
           </a:extLst>
         </p:spPr>
@@ -5375,7 +5375,7 @@
           </a:ln>
           <a:extLst>
             <a:ext uri="{C572A759-6A51-4108-AA02-DFA0A04FC94B}">
-              <ma14:wrappingTextBoxFlag xmlns:ma14="http://schemas.microsoft.com/office/mac/drawingml/2011/main" xmlns:a14="http://schemas.microsoft.com/office/drawing/2010/main" xmlns:m="http://schemas.openxmlformats.org/officeDocument/2006/math" xmlns="" val="1"/>
+              <ma14:wrappingTextBoxFlag xmlns="" xmlns:m="http://schemas.openxmlformats.org/officeDocument/2006/math" xmlns:a14="http://schemas.microsoft.com/office/drawing/2010/main" xmlns:ma14="http://schemas.microsoft.com/office/mac/drawingml/2011/main" val="1"/>
             </a:ext>
           </a:extLst>
         </p:spPr>
@@ -5421,7 +5421,7 @@
           </a:ln>
           <a:extLst>
             <a:ext uri="{C572A759-6A51-4108-AA02-DFA0A04FC94B}">
-              <ma14:wrappingTextBoxFlag xmlns:ma14="http://schemas.microsoft.com/office/mac/drawingml/2011/main" xmlns:a14="http://schemas.microsoft.com/office/drawing/2010/main" xmlns:m="http://schemas.openxmlformats.org/officeDocument/2006/math" xmlns="" val="1"/>
+              <ma14:wrappingTextBoxFlag xmlns="" xmlns:m="http://schemas.openxmlformats.org/officeDocument/2006/math" xmlns:a14="http://schemas.microsoft.com/office/drawing/2010/main" xmlns:ma14="http://schemas.microsoft.com/office/mac/drawingml/2011/main" val="1"/>
             </a:ext>
           </a:extLst>
         </p:spPr>
@@ -5460,7 +5460,7 @@
           </a:ln>
           <a:extLst>
             <a:ext uri="{C572A759-6A51-4108-AA02-DFA0A04FC94B}">
-              <ma14:wrappingTextBoxFlag xmlns:ma14="http://schemas.microsoft.com/office/mac/drawingml/2011/main" xmlns:a14="http://schemas.microsoft.com/office/drawing/2010/main" xmlns:m="http://schemas.openxmlformats.org/officeDocument/2006/math" xmlns="" val="1"/>
+              <ma14:wrappingTextBoxFlag xmlns="" xmlns:m="http://schemas.openxmlformats.org/officeDocument/2006/math" xmlns:a14="http://schemas.microsoft.com/office/drawing/2010/main" xmlns:ma14="http://schemas.microsoft.com/office/mac/drawingml/2011/main" val="1"/>
             </a:ext>
           </a:extLst>
         </p:spPr>
@@ -6448,7 +6448,7 @@
           </a:custGeom>
           <a:extLst>
             <a:ext uri="{C572A759-6A51-4108-AA02-DFA0A04FC94B}">
-              <ma14:wrappingTextBoxFlag xmlns:ma14="http://schemas.microsoft.com/office/mac/drawingml/2011/main" xmlns:a14="http://schemas.microsoft.com/office/drawing/2010/main" xmlns:m="http://schemas.openxmlformats.org/officeDocument/2006/math" xmlns="" val="1"/>
+              <ma14:wrappingTextBoxFlag xmlns="" xmlns:m="http://schemas.openxmlformats.org/officeDocument/2006/math" xmlns:a14="http://schemas.microsoft.com/office/drawing/2010/main" xmlns:ma14="http://schemas.microsoft.com/office/mac/drawingml/2011/main" val="1"/>
             </a:ext>
           </a:extLst>
         </p:spPr>
@@ -6523,7 +6523,7 @@
           </a:custGeom>
           <a:extLst>
             <a:ext uri="{C572A759-6A51-4108-AA02-DFA0A04FC94B}">
-              <ma14:wrappingTextBoxFlag xmlns:ma14="http://schemas.microsoft.com/office/mac/drawingml/2011/main" xmlns:a14="http://schemas.microsoft.com/office/drawing/2010/main" xmlns:m="http://schemas.openxmlformats.org/officeDocument/2006/math" xmlns="" val="1"/>
+              <ma14:wrappingTextBoxFlag xmlns="" xmlns:m="http://schemas.openxmlformats.org/officeDocument/2006/math" xmlns:a14="http://schemas.microsoft.com/office/drawing/2010/main" xmlns:ma14="http://schemas.microsoft.com/office/mac/drawingml/2011/main" val="1"/>
             </a:ext>
           </a:extLst>
         </p:spPr>
@@ -6557,7 +6557,7 @@
           </a:ln>
           <a:extLst>
             <a:ext uri="{C572A759-6A51-4108-AA02-DFA0A04FC94B}">
-              <ma14:wrappingTextBoxFlag xmlns:ma14="http://schemas.microsoft.com/office/mac/drawingml/2011/main" xmlns:a14="http://schemas.microsoft.com/office/drawing/2010/main" xmlns:m="http://schemas.openxmlformats.org/officeDocument/2006/math" xmlns="" val="1"/>
+              <ma14:wrappingTextBoxFlag xmlns="" xmlns:m="http://schemas.openxmlformats.org/officeDocument/2006/math" xmlns:a14="http://schemas.microsoft.com/office/drawing/2010/main" xmlns:ma14="http://schemas.microsoft.com/office/mac/drawingml/2011/main" val="1"/>
             </a:ext>
           </a:extLst>
         </p:spPr>
@@ -6690,7 +6690,7 @@
           </a:prstGeom>
           <a:extLst>
             <a:ext uri="{C572A759-6A51-4108-AA02-DFA0A04FC94B}">
-              <ma14:wrappingTextBoxFlag xmlns="" xmlns:m="http://schemas.openxmlformats.org/officeDocument/2006/math" xmlns:a14="http://schemas.microsoft.com/office/drawing/2010/main" xmlns:ma14="http://schemas.microsoft.com/office/mac/drawingml/2011/main" val="1"/>
+              <ma14:wrappingTextBoxFlag xmlns:ma14="http://schemas.microsoft.com/office/mac/drawingml/2011/main" xmlns:a14="http://schemas.microsoft.com/office/drawing/2010/main" xmlns:m="http://schemas.openxmlformats.org/officeDocument/2006/math" xmlns="" val="1"/>
             </a:ext>
           </a:extLst>
         </p:spPr>
@@ -6821,7 +6821,7 @@
           </a:prstGeom>
           <a:extLst>
             <a:ext uri="{C572A759-6A51-4108-AA02-DFA0A04FC94B}">
-              <ma14:wrappingTextBoxFlag xmlns="" xmlns:m="http://schemas.openxmlformats.org/officeDocument/2006/math" xmlns:a14="http://schemas.microsoft.com/office/drawing/2010/main" xmlns:ma14="http://schemas.microsoft.com/office/mac/drawingml/2011/main" val="1"/>
+              <ma14:wrappingTextBoxFlag xmlns:ma14="http://schemas.microsoft.com/office/mac/drawingml/2011/main" xmlns:a14="http://schemas.microsoft.com/office/drawing/2010/main" xmlns:m="http://schemas.openxmlformats.org/officeDocument/2006/math" xmlns="" val="1"/>
             </a:ext>
           </a:extLst>
         </p:spPr>
@@ -7000,37 +7000,12 @@
           </a:p>
         </p:txBody>
       </p:sp>
-      <p:sp>
-        <p:nvSpPr>
-          <p:cNvPr id="6" name="文字版面配置區 5">
+      <p:graphicFrame>
+        <p:nvGraphicFramePr>
+          <p:cNvPr id="4" name="物件 3">
             <a:extLst>
               <a:ext uri="{FF2B5EF4-FFF2-40B4-BE49-F238E27FC236}">
-                <a16:creationId xmlns:a16="http://schemas.microsoft.com/office/drawing/2014/main" id="{4D08FD12-BB92-EC8F-0A8D-3F4107E46E2D}"/>
-              </a:ext>
-            </a:extLst>
-          </p:cNvPr>
-          <p:cNvSpPr>
-            <a:spLocks noGrp="1"/>
-          </p:cNvSpPr>
-          <p:nvPr>
-            <p:ph type="body" sz="quarter" idx="24"/>
-          </p:nvPr>
-        </p:nvSpPr>
-        <p:spPr/>
-        <p:txBody>
-          <a:bodyPr/>
-          <a:lstStyle/>
-          <a:p>
-            <a:endParaRPr lang="zh-TW" altLang="en-US"/>
-          </a:p>
-        </p:txBody>
-      </p:sp>
-      <p:graphicFrame>
-        <p:nvGraphicFramePr>
-          <p:cNvPr id="7" name="物件 6">
-            <a:extLst>
-              <a:ext uri="{FF2B5EF4-FFF2-40B4-BE49-F238E27FC236}">
-                <a16:creationId xmlns:a16="http://schemas.microsoft.com/office/drawing/2014/main" id="{829EC3AE-0798-FD7F-7D97-A1AC583D827A}"/>
+                <a16:creationId xmlns:a16="http://schemas.microsoft.com/office/drawing/2014/main" id="{0318572A-D2A9-33BF-78B0-7D169AFED878}"/>
               </a:ext>
             </a:extLst>
           </p:cNvPr>
@@ -7040,14 +7015,14 @@
           <p:nvPr>
             <p:extLst>
               <p:ext uri="{D42A27DB-BD31-4B8C-83A1-F6EECF244321}">
-                <p14:modId xmlns:p14="http://schemas.microsoft.com/office/powerpoint/2010/main" val="1604501214"/>
+                <p14:modId xmlns:p14="http://schemas.microsoft.com/office/powerpoint/2010/main" val="3096477312"/>
               </p:ext>
             </p:extLst>
           </p:nvPr>
         </p:nvGraphicFramePr>
         <p:xfrm>
           <a:off x="5361135" y="3365230"/>
-          <a:ext cx="4897532" cy="3475270"/>
+          <a:ext cx="4897534" cy="3475270"/>
         </p:xfrm>
         <a:graphic>
           <a:graphicData uri="http://schemas.openxmlformats.org/presentationml/2006/ole">
@@ -7062,7 +7037,13 @@
                   <p:embed/>
                   <p:pic>
                     <p:nvPicPr>
-                      <p:cNvPr id="0" name=""/>
+                      <p:cNvPr id="3" name="物件 2">
+                        <a:extLst>
+                          <a:ext uri="{FF2B5EF4-FFF2-40B4-BE49-F238E27FC236}">
+                            <a16:creationId xmlns:a16="http://schemas.microsoft.com/office/drawing/2014/main" id="{0318572A-D2A9-33BF-78B0-7D169AFED878}"/>
+                          </a:ext>
+                        </a:extLst>
+                      </p:cNvPr>
                       <p:cNvPicPr/>
                       <p:nvPr/>
                     </p:nvPicPr>
@@ -7075,7 +7056,7 @@
                     <p:spPr>
                       <a:xfrm>
                         <a:off x="5361135" y="3365230"/>
-                        <a:ext cx="4897532" cy="3475270"/>
+                        <a:ext cx="4897534" cy="3475270"/>
                       </a:xfrm>
                       <a:prstGeom prst="rect">
                         <a:avLst/>
@@ -7154,7 +7135,7 @@
           </a:prstGeom>
           <a:extLst>
             <a:ext uri="{C572A759-6A51-4108-AA02-DFA0A04FC94B}">
-              <ma14:wrappingTextBoxFlag xmlns:ma14="http://schemas.microsoft.com/office/mac/drawingml/2011/main" xmlns:a14="http://schemas.microsoft.com/office/drawing/2010/main" xmlns:m="http://schemas.openxmlformats.org/officeDocument/2006/math" xmlns="" val="1"/>
+              <ma14:wrappingTextBoxFlag xmlns="" xmlns:m="http://schemas.openxmlformats.org/officeDocument/2006/math" xmlns:a14="http://schemas.microsoft.com/office/drawing/2010/main" xmlns:ma14="http://schemas.microsoft.com/office/mac/drawingml/2011/main" val="1"/>
             </a:ext>
           </a:extLst>
         </p:spPr>
@@ -7219,7 +7200,7 @@
             </a:r>
             <a:r>
               <a:rPr lang="en-US" altLang="zh-TW" dirty="0"/>
-              <a:t>Test</a:t>
+              <a:t>Validation &amp; Test</a:t>
             </a:r>
           </a:p>
         </p:txBody>
@@ -7261,31 +7242,6 @@
       </p:sp>
       <p:sp>
         <p:nvSpPr>
-          <p:cNvPr id="6" name="文字版面配置區 5">
-            <a:extLst>
-              <a:ext uri="{FF2B5EF4-FFF2-40B4-BE49-F238E27FC236}">
-                <a16:creationId xmlns:a16="http://schemas.microsoft.com/office/drawing/2014/main" id="{6E2F206F-C746-1B39-2319-AAFB2325734F}"/>
-              </a:ext>
-            </a:extLst>
-          </p:cNvPr>
-          <p:cNvSpPr>
-            <a:spLocks noGrp="1"/>
-          </p:cNvSpPr>
-          <p:nvPr>
-            <p:ph type="body" sz="quarter" idx="24"/>
-          </p:nvPr>
-        </p:nvSpPr>
-        <p:spPr/>
-        <p:txBody>
-          <a:bodyPr/>
-          <a:lstStyle/>
-          <a:p>
-            <a:endParaRPr lang="zh-TW" altLang="en-US"/>
-          </a:p>
-        </p:txBody>
-      </p:sp>
-      <p:sp>
-        <p:nvSpPr>
           <p:cNvPr id="4" name="文字版面配置區 3">
             <a:extLst>
               <a:ext uri="{FF2B5EF4-FFF2-40B4-BE49-F238E27FC236}">
@@ -7311,10 +7267,10 @@
       </p:sp>
       <p:graphicFrame>
         <p:nvGraphicFramePr>
-          <p:cNvPr id="8" name="物件 7">
+          <p:cNvPr id="3" name="物件 2">
             <a:extLst>
               <a:ext uri="{FF2B5EF4-FFF2-40B4-BE49-F238E27FC236}">
-                <a16:creationId xmlns:a16="http://schemas.microsoft.com/office/drawing/2014/main" id="{D77AFB21-29C3-CA3E-4CB7-F2E0ECF230CF}"/>
+                <a16:creationId xmlns:a16="http://schemas.microsoft.com/office/drawing/2014/main" id="{5D3D0314-55A1-BC98-CE5F-84E8C60F3339}"/>
               </a:ext>
             </a:extLst>
           </p:cNvPr>
@@ -7324,25 +7280,25 @@
           <p:nvPr>
             <p:extLst>
               <p:ext uri="{D42A27DB-BD31-4B8C-83A1-F6EECF244321}">
-                <p14:modId xmlns:p14="http://schemas.microsoft.com/office/powerpoint/2010/main" val="3636461989"/>
+                <p14:modId xmlns:p14="http://schemas.microsoft.com/office/powerpoint/2010/main" val="1720982753"/>
               </p:ext>
             </p:extLst>
           </p:nvPr>
         </p:nvGraphicFramePr>
         <p:xfrm>
-          <a:off x="2531902" y="3797300"/>
-          <a:ext cx="7927975" cy="2159000"/>
+          <a:off x="3048048" y="3559828"/>
+          <a:ext cx="6908703" cy="2633943"/>
         </p:xfrm>
         <a:graphic>
           <a:graphicData uri="http://schemas.openxmlformats.org/presentationml/2006/ole">
             <mc:AlternateContent xmlns:mc="http://schemas.openxmlformats.org/markup-compatibility/2006">
               <mc:Choice xmlns:v="urn:schemas-microsoft-com:vml" Requires="v">
-                <p:oleObj name="Worksheet" r:id="rId2" imgW="4267200" imgH="1161896" progId="Excel.Sheet.12">
+                <p:oleObj name="Worksheet" r:id="rId2" imgW="3048204" imgH="1162186" progId="Excel.Sheet.12">
                   <p:embed/>
                 </p:oleObj>
               </mc:Choice>
               <mc:Fallback>
-                <p:oleObj name="Worksheet" r:id="rId2" imgW="4267200" imgH="1161896" progId="Excel.Sheet.12">
+                <p:oleObj name="Worksheet" r:id="rId2" imgW="3048204" imgH="1162186" progId="Excel.Sheet.12">
                   <p:embed/>
                   <p:pic>
                     <p:nvPicPr>
@@ -7358,8 +7314,8 @@
                     </p:blipFill>
                     <p:spPr>
                       <a:xfrm>
-                        <a:off x="2531902" y="3797300"/>
-                        <a:ext cx="7927975" cy="2159000"/>
+                        <a:off x="3048048" y="3559828"/>
+                        <a:ext cx="6908703" cy="2633943"/>
                       </a:xfrm>
                       <a:prstGeom prst="rect">
                         <a:avLst/>
@@ -7438,7 +7394,7 @@
           </a:prstGeom>
           <a:extLst>
             <a:ext uri="{C572A759-6A51-4108-AA02-DFA0A04FC94B}">
-              <ma14:wrappingTextBoxFlag xmlns:ma14="http://schemas.microsoft.com/office/mac/drawingml/2011/main" xmlns:a14="http://schemas.microsoft.com/office/drawing/2010/main" xmlns:m="http://schemas.openxmlformats.org/officeDocument/2006/math" xmlns="" val="1"/>
+              <ma14:wrappingTextBoxFlag xmlns="" xmlns:m="http://schemas.openxmlformats.org/officeDocument/2006/math" xmlns:a14="http://schemas.microsoft.com/office/drawing/2010/main" xmlns:ma14="http://schemas.microsoft.com/office/mac/drawingml/2011/main" val="1"/>
             </a:ext>
           </a:extLst>
         </p:spPr>
@@ -7545,31 +7501,6 @@
       </p:sp>
       <p:sp>
         <p:nvSpPr>
-          <p:cNvPr id="6" name="文字版面配置區 5">
-            <a:extLst>
-              <a:ext uri="{FF2B5EF4-FFF2-40B4-BE49-F238E27FC236}">
-                <a16:creationId xmlns:a16="http://schemas.microsoft.com/office/drawing/2014/main" id="{6DAA6F54-F1BA-0FCF-7277-8CD16CD9510F}"/>
-              </a:ext>
-            </a:extLst>
-          </p:cNvPr>
-          <p:cNvSpPr>
-            <a:spLocks noGrp="1"/>
-          </p:cNvSpPr>
-          <p:nvPr>
-            <p:ph type="body" sz="quarter" idx="24"/>
-          </p:nvPr>
-        </p:nvSpPr>
-        <p:spPr/>
-        <p:txBody>
-          <a:bodyPr/>
-          <a:lstStyle/>
-          <a:p>
-            <a:endParaRPr lang="zh-TW" altLang="en-US"/>
-          </a:p>
-        </p:txBody>
-      </p:sp>
-      <p:sp>
-        <p:nvSpPr>
           <p:cNvPr id="4" name="文字版面配置區 3">
             <a:extLst>
               <a:ext uri="{FF2B5EF4-FFF2-40B4-BE49-F238E27FC236}">
@@ -7595,10 +7526,10 @@
       </p:sp>
       <p:pic>
         <p:nvPicPr>
-          <p:cNvPr id="3" name="圖片 2" descr="一張含有 文字, 圖表, 繪圖, 行 的圖片&#10;&#10;自動產生的描述">
+          <p:cNvPr id="5" name="圖片 4" descr="一張含有 文字, 圖表, 繪圖, 行 的圖片&#10;&#10;自動產生的描述">
             <a:extLst>
               <a:ext uri="{FF2B5EF4-FFF2-40B4-BE49-F238E27FC236}">
-                <a16:creationId xmlns:a16="http://schemas.microsoft.com/office/drawing/2014/main" id="{234ED856-AE81-6A2F-9D74-3A75B0C4E939}"/>
+                <a16:creationId xmlns:a16="http://schemas.microsoft.com/office/drawing/2014/main" id="{14CA30A9-7B9C-0F58-07A0-D40116B77CC0}"/>
               </a:ext>
             </a:extLst>
           </p:cNvPr>
@@ -7621,8 +7552,8 @@
         </p:blipFill>
         <p:spPr>
           <a:xfrm>
-            <a:off x="1528866" y="1294403"/>
-            <a:ext cx="9331580" cy="7761782"/>
+            <a:off x="2064760" y="1620188"/>
+            <a:ext cx="8862259" cy="7371412"/>
           </a:xfrm>
           <a:prstGeom prst="rect">
             <a:avLst/>
@@ -7658,7 +7589,7 @@
         <p:cNvPr id="1" name="">
           <a:extLst>
             <a:ext uri="{FF2B5EF4-FFF2-40B4-BE49-F238E27FC236}">
-              <a16:creationId xmlns:a16="http://schemas.microsoft.com/office/drawing/2014/main" id="{77D8FEC1-5F75-B0DB-68D0-985B8E177AD8}"/>
+              <a16:creationId xmlns:a16="http://schemas.microsoft.com/office/drawing/2014/main" id="{322965D0-AC44-832E-45FA-285FF89FDEE8}"/>
             </a:ext>
           </a:extLst>
         </p:cNvPr>
@@ -7678,7 +7609,7 @@
           <p:cNvPr id="51" name="Map, Food, &amp; Smiles…">
             <a:extLst>
               <a:ext uri="{FF2B5EF4-FFF2-40B4-BE49-F238E27FC236}">
-                <a16:creationId xmlns:a16="http://schemas.microsoft.com/office/drawing/2014/main" id="{EB76A96D-9821-C85F-EA13-9BC5368D2E9E}"/>
+                <a16:creationId xmlns:a16="http://schemas.microsoft.com/office/drawing/2014/main" id="{4C4B1191-59B7-0342-F3AE-BF70778883D4}"/>
               </a:ext>
             </a:extLst>
           </p:cNvPr>
@@ -7782,7 +7713,7 @@
           <p:cNvPr id="52" name="Your name">
             <a:extLst>
               <a:ext uri="{FF2B5EF4-FFF2-40B4-BE49-F238E27FC236}">
-                <a16:creationId xmlns:a16="http://schemas.microsoft.com/office/drawing/2014/main" id="{E472B22F-8DFB-3DDA-78E2-344AA04085D7}"/>
+                <a16:creationId xmlns:a16="http://schemas.microsoft.com/office/drawing/2014/main" id="{D246CB52-2970-EA88-8AEA-C9C9E440C8DD}"/>
               </a:ext>
             </a:extLst>
           </p:cNvPr>
@@ -7843,7 +7774,7 @@
           </a:custGeom>
           <a:extLst>
             <a:ext uri="{C572A759-6A51-4108-AA02-DFA0A04FC94B}">
-              <ma14:wrappingTextBoxFlag xmlns:ma14="http://schemas.microsoft.com/office/mac/drawingml/2011/main" xmlns:a14="http://schemas.microsoft.com/office/drawing/2010/main" xmlns:m="http://schemas.openxmlformats.org/officeDocument/2006/math" xmlns="" val="1"/>
+              <ma14:wrappingTextBoxFlag xmlns="" xmlns:m="http://schemas.openxmlformats.org/officeDocument/2006/math" xmlns:a14="http://schemas.microsoft.com/office/drawing/2010/main" xmlns:ma14="http://schemas.microsoft.com/office/mac/drawingml/2011/main" val="1"/>
             </a:ext>
           </a:extLst>
         </p:spPr>
@@ -7863,7 +7794,7 @@
           <p:cNvPr id="53" name="Your affiliation">
             <a:extLst>
               <a:ext uri="{FF2B5EF4-FFF2-40B4-BE49-F238E27FC236}">
-                <a16:creationId xmlns:a16="http://schemas.microsoft.com/office/drawing/2014/main" id="{F04C564B-88F0-1BA5-C155-63854B99DE23}"/>
+                <a16:creationId xmlns:a16="http://schemas.microsoft.com/office/drawing/2014/main" id="{708327F6-56DC-6A48-5210-3D6DC2137CEC}"/>
               </a:ext>
             </a:extLst>
           </p:cNvPr>
@@ -7924,7 +7855,7 @@
           </a:custGeom>
           <a:extLst>
             <a:ext uri="{C572A759-6A51-4108-AA02-DFA0A04FC94B}">
-              <ma14:wrappingTextBoxFlag xmlns:ma14="http://schemas.microsoft.com/office/mac/drawingml/2011/main" xmlns:a14="http://schemas.microsoft.com/office/drawing/2010/main" xmlns:m="http://schemas.openxmlformats.org/officeDocument/2006/math" xmlns="" val="1"/>
+              <ma14:wrappingTextBoxFlag xmlns="" xmlns:m="http://schemas.openxmlformats.org/officeDocument/2006/math" xmlns:a14="http://schemas.microsoft.com/office/drawing/2010/main" xmlns:ma14="http://schemas.microsoft.com/office/mac/drawingml/2011/main" val="1"/>
             </a:ext>
           </a:extLst>
         </p:spPr>
@@ -7944,7 +7875,7 @@
           <p:cNvPr id="54" name="20240419 TEN MFS.key">
             <a:extLst>
               <a:ext uri="{FF2B5EF4-FFF2-40B4-BE49-F238E27FC236}">
-                <a16:creationId xmlns:a16="http://schemas.microsoft.com/office/drawing/2014/main" id="{4D1E28A5-0268-E462-BAAD-E715D21BD462}"/>
+                <a16:creationId xmlns:a16="http://schemas.microsoft.com/office/drawing/2014/main" id="{C25C89F9-7F08-D307-2DCF-8CD144C3478F}"/>
               </a:ext>
             </a:extLst>
           </p:cNvPr>
@@ -7964,7 +7895,7 @@
           </a:ln>
           <a:extLst>
             <a:ext uri="{C572A759-6A51-4108-AA02-DFA0A04FC94B}">
-              <ma14:wrappingTextBoxFlag xmlns:ma14="http://schemas.microsoft.com/office/mac/drawingml/2011/main" xmlns:a14="http://schemas.microsoft.com/office/drawing/2010/main" xmlns:m="http://schemas.openxmlformats.org/officeDocument/2006/math" xmlns="" val="1"/>
+              <ma14:wrappingTextBoxFlag xmlns="" xmlns:m="http://schemas.openxmlformats.org/officeDocument/2006/math" xmlns:a14="http://schemas.microsoft.com/office/drawing/2010/main" xmlns:ma14="http://schemas.microsoft.com/office/mac/drawingml/2011/main" val="1"/>
             </a:ext>
           </a:extLst>
         </p:spPr>
@@ -8046,7 +7977,7 @@
     </p:spTree>
     <p:extLst>
       <p:ext uri="{BB962C8B-B14F-4D97-AF65-F5344CB8AC3E}">
-        <p14:creationId xmlns:p14="http://schemas.microsoft.com/office/powerpoint/2010/main" val="3252623694"/>
+        <p14:creationId xmlns:p14="http://schemas.microsoft.com/office/powerpoint/2010/main" val="2545564143"/>
       </p:ext>
     </p:extLst>
   </p:cSld>
@@ -8094,7 +8025,7 @@
           </a:prstGeom>
           <a:extLst>
             <a:ext uri="{C572A759-6A51-4108-AA02-DFA0A04FC94B}">
-              <ma14:wrappingTextBoxFlag xmlns="" xmlns:m="http://schemas.openxmlformats.org/officeDocument/2006/math" xmlns:a14="http://schemas.microsoft.com/office/drawing/2010/main" xmlns:ma14="http://schemas.microsoft.com/office/mac/drawingml/2011/main" val="1"/>
+              <ma14:wrappingTextBoxFlag xmlns:ma14="http://schemas.microsoft.com/office/mac/drawingml/2011/main" xmlns:a14="http://schemas.microsoft.com/office/drawing/2010/main" xmlns:m="http://schemas.openxmlformats.org/officeDocument/2006/math" xmlns="" val="1"/>
             </a:ext>
           </a:extLst>
         </p:spPr>
@@ -8220,7 +8151,7 @@
           <p:cNvPr id="3" name="文字版面配置區 2">
             <a:extLst>
               <a:ext uri="{FF2B5EF4-FFF2-40B4-BE49-F238E27FC236}">
-                <a16:creationId xmlns:a16="http://schemas.microsoft.com/office/drawing/2014/main" id="{487B2B9A-9FA3-274F-8000-432BA49D8710}"/>
+                <a16:creationId xmlns:a16="http://schemas.microsoft.com/office/drawing/2014/main" id="{8A7307E4-3420-0470-4C5D-3C9CB106D94B}"/>
               </a:ext>
             </a:extLst>
           </p:cNvPr>
@@ -8282,7 +8213,7 @@
           </a:prstGeom>
           <a:extLst>
             <a:ext uri="{C572A759-6A51-4108-AA02-DFA0A04FC94B}">
-              <ma14:wrappingTextBoxFlag xmlns="" xmlns:m="http://schemas.openxmlformats.org/officeDocument/2006/math" xmlns:a14="http://schemas.microsoft.com/office/drawing/2010/main" xmlns:ma14="http://schemas.microsoft.com/office/mac/drawingml/2011/main" val="1"/>
+              <ma14:wrappingTextBoxFlag xmlns:ma14="http://schemas.microsoft.com/office/mac/drawingml/2011/main" xmlns:a14="http://schemas.microsoft.com/office/drawing/2010/main" xmlns:m="http://schemas.openxmlformats.org/officeDocument/2006/math" xmlns="" val="1"/>
             </a:ext>
           </a:extLst>
         </p:spPr>
@@ -8372,7 +8303,7 @@
           </a:prstGeom>
           <a:extLst>
             <a:ext uri="{C572A759-6A51-4108-AA02-DFA0A04FC94B}">
-              <ma14:wrappingTextBoxFlag xmlns="" xmlns:m="http://schemas.openxmlformats.org/officeDocument/2006/math" xmlns:a14="http://schemas.microsoft.com/office/drawing/2010/main" xmlns:ma14="http://schemas.microsoft.com/office/mac/drawingml/2011/main" val="1"/>
+              <ma14:wrappingTextBoxFlag xmlns:ma14="http://schemas.microsoft.com/office/mac/drawingml/2011/main" xmlns:a14="http://schemas.microsoft.com/office/drawing/2010/main" xmlns:m="http://schemas.openxmlformats.org/officeDocument/2006/math" xmlns="" val="1"/>
             </a:ext>
           </a:extLst>
         </p:spPr>
@@ -8478,31 +8409,6 @@
               <a:t>It is hoped that the model can serve as a benchmark for both landlords and tenants in deciding rental prices.</a:t>
             </a:r>
             <a:endParaRPr dirty="0"/>
-          </a:p>
-        </p:txBody>
-      </p:sp>
-      <p:sp>
-        <p:nvSpPr>
-          <p:cNvPr id="3" name="文字版面配置區 2">
-            <a:extLst>
-              <a:ext uri="{FF2B5EF4-FFF2-40B4-BE49-F238E27FC236}">
-                <a16:creationId xmlns:a16="http://schemas.microsoft.com/office/drawing/2014/main" id="{0CA3D79E-0953-A228-9180-E540E580C2D9}"/>
-              </a:ext>
-            </a:extLst>
-          </p:cNvPr>
-          <p:cNvSpPr>
-            <a:spLocks noGrp="1"/>
-          </p:cNvSpPr>
-          <p:nvPr>
-            <p:ph type="body" sz="quarter" idx="24"/>
-          </p:nvPr>
-        </p:nvSpPr>
-        <p:spPr/>
-        <p:txBody>
-          <a:bodyPr/>
-          <a:lstStyle/>
-          <a:p>
-            <a:endParaRPr lang="zh-TW" altLang="en-US"/>
           </a:p>
         </p:txBody>
       </p:sp>
@@ -8548,7 +8454,7 @@
           </a:prstGeom>
           <a:extLst>
             <a:ext uri="{C572A759-6A51-4108-AA02-DFA0A04FC94B}">
-              <ma14:wrappingTextBoxFlag xmlns="" xmlns:m="http://schemas.openxmlformats.org/officeDocument/2006/math" xmlns:a14="http://schemas.microsoft.com/office/drawing/2010/main" xmlns:ma14="http://schemas.microsoft.com/office/mac/drawingml/2011/main" val="1"/>
+              <ma14:wrappingTextBoxFlag xmlns:ma14="http://schemas.microsoft.com/office/mac/drawingml/2011/main" xmlns:a14="http://schemas.microsoft.com/office/drawing/2010/main" xmlns:m="http://schemas.openxmlformats.org/officeDocument/2006/math" xmlns="" val="1"/>
             </a:ext>
           </a:extLst>
         </p:spPr>
@@ -8686,31 +8592,6 @@
           </a:prstGeom>
         </p:spPr>
       </p:pic>
-      <p:sp>
-        <p:nvSpPr>
-          <p:cNvPr id="4" name="文字版面配置區 3">
-            <a:extLst>
-              <a:ext uri="{FF2B5EF4-FFF2-40B4-BE49-F238E27FC236}">
-                <a16:creationId xmlns:a16="http://schemas.microsoft.com/office/drawing/2014/main" id="{571B1A15-D317-0DD4-79EE-EF12D934CDC4}"/>
-              </a:ext>
-            </a:extLst>
-          </p:cNvPr>
-          <p:cNvSpPr>
-            <a:spLocks noGrp="1"/>
-          </p:cNvSpPr>
-          <p:nvPr>
-            <p:ph type="body" sz="quarter" idx="24"/>
-          </p:nvPr>
-        </p:nvSpPr>
-        <p:spPr/>
-        <p:txBody>
-          <a:bodyPr/>
-          <a:lstStyle/>
-          <a:p>
-            <a:endParaRPr lang="zh-TW" altLang="en-US"/>
-          </a:p>
-        </p:txBody>
-      </p:sp>
     </p:spTree>
   </p:cSld>
   <p:clrMapOvr>
@@ -8753,7 +8634,7 @@
           </a:prstGeom>
           <a:extLst>
             <a:ext uri="{C572A759-6A51-4108-AA02-DFA0A04FC94B}">
-              <ma14:wrappingTextBoxFlag xmlns="" xmlns:m="http://schemas.openxmlformats.org/officeDocument/2006/math" xmlns:a14="http://schemas.microsoft.com/office/drawing/2010/main" xmlns:ma14="http://schemas.microsoft.com/office/mac/drawingml/2011/main" val="1"/>
+              <ma14:wrappingTextBoxFlag xmlns:ma14="http://schemas.microsoft.com/office/mac/drawingml/2011/main" xmlns:a14="http://schemas.microsoft.com/office/drawing/2010/main" xmlns:m="http://schemas.openxmlformats.org/officeDocument/2006/math" xmlns="" val="1"/>
             </a:ext>
           </a:extLst>
         </p:spPr>
@@ -8857,7 +8738,7 @@
           </a:prstGeom>
           <a:extLst>
             <a:ext uri="{C572A759-6A51-4108-AA02-DFA0A04FC94B}">
-              <ma14:wrappingTextBoxFlag xmlns="" xmlns:m="http://schemas.openxmlformats.org/officeDocument/2006/math" xmlns:a14="http://schemas.microsoft.com/office/drawing/2010/main" xmlns:ma14="http://schemas.microsoft.com/office/mac/drawingml/2011/main" val="1"/>
+              <ma14:wrappingTextBoxFlag xmlns:ma14="http://schemas.microsoft.com/office/mac/drawingml/2011/main" xmlns:a14="http://schemas.microsoft.com/office/drawing/2010/main" xmlns:m="http://schemas.openxmlformats.org/officeDocument/2006/math" xmlns="" val="1"/>
             </a:ext>
           </a:extLst>
         </p:spPr>
@@ -9060,7 +8941,7 @@
           </a:prstGeom>
           <a:extLst>
             <a:ext uri="{C572A759-6A51-4108-AA02-DFA0A04FC94B}">
-              <ma14:wrappingTextBoxFlag xmlns:ma14="http://schemas.microsoft.com/office/mac/drawingml/2011/main" xmlns:a14="http://schemas.microsoft.com/office/drawing/2010/main" xmlns:m="http://schemas.openxmlformats.org/officeDocument/2006/math" xmlns="" val="1"/>
+              <ma14:wrappingTextBoxFlag xmlns="" xmlns:m="http://schemas.openxmlformats.org/officeDocument/2006/math" xmlns:a14="http://schemas.microsoft.com/office/drawing/2010/main" xmlns:ma14="http://schemas.microsoft.com/office/mac/drawingml/2011/main" val="1"/>
             </a:ext>
           </a:extLst>
         </p:spPr>
@@ -9184,7 +9065,7 @@
           </a:prstGeom>
           <a:extLst>
             <a:ext uri="{C572A759-6A51-4108-AA02-DFA0A04FC94B}">
-              <ma14:wrappingTextBoxFlag xmlns:ma14="http://schemas.microsoft.com/office/mac/drawingml/2011/main" xmlns:a14="http://schemas.microsoft.com/office/drawing/2010/main" xmlns:m="http://schemas.openxmlformats.org/officeDocument/2006/math" xmlns="" val="1"/>
+              <ma14:wrappingTextBoxFlag xmlns="" xmlns:m="http://schemas.openxmlformats.org/officeDocument/2006/math" xmlns:a14="http://schemas.microsoft.com/office/drawing/2010/main" xmlns:ma14="http://schemas.microsoft.com/office/mac/drawingml/2011/main" val="1"/>
             </a:ext>
           </a:extLst>
         </p:spPr>
@@ -9334,31 +9215,6 @@
           </a:prstGeom>
         </p:spPr>
       </p:pic>
-      <p:sp>
-        <p:nvSpPr>
-          <p:cNvPr id="6" name="文字版面配置區 5">
-            <a:extLst>
-              <a:ext uri="{FF2B5EF4-FFF2-40B4-BE49-F238E27FC236}">
-                <a16:creationId xmlns:a16="http://schemas.microsoft.com/office/drawing/2014/main" id="{1ACD779B-2F95-0FB5-B08B-8057C4A40471}"/>
-              </a:ext>
-            </a:extLst>
-          </p:cNvPr>
-          <p:cNvSpPr>
-            <a:spLocks noGrp="1"/>
-          </p:cNvSpPr>
-          <p:nvPr>
-            <p:ph type="body" sz="quarter" idx="24"/>
-          </p:nvPr>
-        </p:nvSpPr>
-        <p:spPr/>
-        <p:txBody>
-          <a:bodyPr/>
-          <a:lstStyle/>
-          <a:p>
-            <a:endParaRPr lang="zh-TW" altLang="en-US"/>
-          </a:p>
-        </p:txBody>
-      </p:sp>
     </p:spTree>
     <p:extLst>
       <p:ext uri="{BB962C8B-B14F-4D97-AF65-F5344CB8AC3E}">
@@ -9418,7 +9274,7 @@
           </a:prstGeom>
           <a:extLst>
             <a:ext uri="{C572A759-6A51-4108-AA02-DFA0A04FC94B}">
-              <ma14:wrappingTextBoxFlag xmlns="" xmlns:m="http://schemas.openxmlformats.org/officeDocument/2006/math" xmlns:a14="http://schemas.microsoft.com/office/drawing/2010/main" xmlns:ma14="http://schemas.microsoft.com/office/mac/drawingml/2011/main" val="1"/>
+              <ma14:wrappingTextBoxFlag xmlns:ma14="http://schemas.microsoft.com/office/mac/drawingml/2011/main" xmlns:a14="http://schemas.microsoft.com/office/drawing/2010/main" xmlns:m="http://schemas.openxmlformats.org/officeDocument/2006/math" xmlns="" val="1"/>
             </a:ext>
           </a:extLst>
         </p:spPr>
@@ -9579,31 +9435,6 @@
           </a:prstGeom>
         </p:spPr>
       </p:pic>
-      <p:sp>
-        <p:nvSpPr>
-          <p:cNvPr id="10" name="文字版面配置區 9">
-            <a:extLst>
-              <a:ext uri="{FF2B5EF4-FFF2-40B4-BE49-F238E27FC236}">
-                <a16:creationId xmlns:a16="http://schemas.microsoft.com/office/drawing/2014/main" id="{9CF86208-B2E7-8853-7A68-346A620AB659}"/>
-              </a:ext>
-            </a:extLst>
-          </p:cNvPr>
-          <p:cNvSpPr>
-            <a:spLocks noGrp="1"/>
-          </p:cNvSpPr>
-          <p:nvPr>
-            <p:ph type="body" sz="quarter" idx="24"/>
-          </p:nvPr>
-        </p:nvSpPr>
-        <p:spPr/>
-        <p:txBody>
-          <a:bodyPr/>
-          <a:lstStyle/>
-          <a:p>
-            <a:endParaRPr lang="zh-TW" altLang="en-US"/>
-          </a:p>
-        </p:txBody>
-      </p:sp>
       <p:graphicFrame>
         <p:nvGraphicFramePr>
           <p:cNvPr id="16" name="物件 15">
@@ -9726,7 +9557,7 @@
           </a:prstGeom>
           <a:extLst>
             <a:ext uri="{C572A759-6A51-4108-AA02-DFA0A04FC94B}">
-              <ma14:wrappingTextBoxFlag xmlns="" xmlns:m="http://schemas.openxmlformats.org/officeDocument/2006/math" xmlns:a14="http://schemas.microsoft.com/office/drawing/2010/main" xmlns:ma14="http://schemas.microsoft.com/office/mac/drawingml/2011/main" val="1"/>
+              <ma14:wrappingTextBoxFlag xmlns:ma14="http://schemas.microsoft.com/office/mac/drawingml/2011/main" xmlns:a14="http://schemas.microsoft.com/office/drawing/2010/main" xmlns:m="http://schemas.openxmlformats.org/officeDocument/2006/math" xmlns="" val="1"/>
             </a:ext>
           </a:extLst>
         </p:spPr>
@@ -9842,7 +9673,7 @@
           </a:prstGeom>
           <a:extLst>
             <a:ext uri="{C572A759-6A51-4108-AA02-DFA0A04FC94B}">
-              <ma14:wrappingTextBoxFlag xmlns="" xmlns:m="http://schemas.openxmlformats.org/officeDocument/2006/math" xmlns:a14="http://schemas.microsoft.com/office/drawing/2010/main" xmlns:ma14="http://schemas.microsoft.com/office/mac/drawingml/2011/main" val="1"/>
+              <ma14:wrappingTextBoxFlag xmlns:ma14="http://schemas.microsoft.com/office/mac/drawingml/2011/main" xmlns:a14="http://schemas.microsoft.com/office/drawing/2010/main" xmlns:m="http://schemas.openxmlformats.org/officeDocument/2006/math" xmlns="" val="1"/>
             </a:ext>
           </a:extLst>
         </p:spPr>
@@ -10078,7 +9909,7 @@
           </a:prstGeom>
           <a:extLst>
             <a:ext uri="{C572A759-6A51-4108-AA02-DFA0A04FC94B}">
-              <ma14:wrappingTextBoxFlag xmlns:ma14="http://schemas.microsoft.com/office/mac/drawingml/2011/main" xmlns:a14="http://schemas.microsoft.com/office/drawing/2010/main" xmlns:m="http://schemas.openxmlformats.org/officeDocument/2006/math" xmlns="" val="1"/>
+              <ma14:wrappingTextBoxFlag xmlns="" xmlns:m="http://schemas.openxmlformats.org/officeDocument/2006/math" xmlns:a14="http://schemas.microsoft.com/office/drawing/2010/main" xmlns:ma14="http://schemas.microsoft.com/office/mac/drawingml/2011/main" val="1"/>
             </a:ext>
           </a:extLst>
         </p:spPr>
@@ -10194,7 +10025,7 @@
           </a:prstGeom>
           <a:extLst>
             <a:ext uri="{C572A759-6A51-4108-AA02-DFA0A04FC94B}">
-              <ma14:wrappingTextBoxFlag xmlns:ma14="http://schemas.microsoft.com/office/mac/drawingml/2011/main" xmlns:a14="http://schemas.microsoft.com/office/drawing/2010/main" xmlns:m="http://schemas.openxmlformats.org/officeDocument/2006/math" xmlns="" val="1"/>
+              <ma14:wrappingTextBoxFlag xmlns="" xmlns:m="http://schemas.openxmlformats.org/officeDocument/2006/math" xmlns:a14="http://schemas.microsoft.com/office/drawing/2010/main" xmlns:ma14="http://schemas.microsoft.com/office/mac/drawingml/2011/main" val="1"/>
             </a:ext>
           </a:extLst>
         </p:spPr>
